--- a/backend/sandbox/test_presentation.pptx
+++ b/backend/sandbox/test_presentation.pptx
@@ -3116,7 +3116,7 @@
         </p:nvSpPr>
         <p:spPr>
           <a:xfrm>
-            <a:off x="914400" y="3657600"/>
+            <a:off x="914400" y="3200400"/>
             <a:ext cx="12801600" cy="0"/>
           </a:xfrm>
         </p:spPr>
@@ -3150,7 +3150,7 @@
         </p:nvSpPr>
         <p:spPr>
           <a:xfrm>
-            <a:off x="914400" y="4572000"/>
+            <a:off x="914400" y="4114800"/>
             <a:ext cx="12801600" cy="0"/>
           </a:xfrm>
         </p:spPr>
